--- a/more-effective-csharp-2nd-edition/slides/item06-確保屬性運作如資料一般.pptx
+++ b/more-effective-csharp-2nd-edition/slides/item06-確保屬性運作如資料一般.pptx
@@ -195,7 +195,7 @@
           <a:p>
             <a:fld id="{7287596F-5AEE-4A09-B007-52FE8F05C9A1}" type="datetimeFigureOut">
               <a:rPr lang="zh-TW" altLang="en-US" smtClean="0"/>
-              <a:t>2020/3/16</a:t>
+              <a:t>2020/3/17</a:t>
             </a:fld>
             <a:endParaRPr lang="zh-TW" altLang="en-US"/>
           </a:p>
@@ -473,7 +473,7 @@
           <a:p>
             <a:fld id="{BC026C39-E73D-4404-99C8-E3E59EB363C5}" type="datetimeFigureOut">
               <a:rPr lang="zh-TW" altLang="en-US" smtClean="0"/>
-              <a:t>2020/3/16</a:t>
+              <a:t>2020/3/17</a:t>
             </a:fld>
             <a:endParaRPr lang="zh-TW" altLang="en-US"/>
           </a:p>
@@ -657,7 +657,7 @@
           <a:p>
             <a:fld id="{BC026C39-E73D-4404-99C8-E3E59EB363C5}" type="datetimeFigureOut">
               <a:rPr lang="zh-TW" altLang="en-US" smtClean="0"/>
-              <a:t>2020/3/16</a:t>
+              <a:t>2020/3/17</a:t>
             </a:fld>
             <a:endParaRPr lang="zh-TW" altLang="en-US"/>
           </a:p>
@@ -851,7 +851,7 @@
           <a:p>
             <a:fld id="{BC026C39-E73D-4404-99C8-E3E59EB363C5}" type="datetimeFigureOut">
               <a:rPr lang="zh-TW" altLang="en-US" smtClean="0"/>
-              <a:t>2020/3/16</a:t>
+              <a:t>2020/3/17</a:t>
             </a:fld>
             <a:endParaRPr lang="zh-TW" altLang="en-US"/>
           </a:p>
@@ -1035,7 +1035,7 @@
           <a:p>
             <a:fld id="{BC026C39-E73D-4404-99C8-E3E59EB363C5}" type="datetimeFigureOut">
               <a:rPr lang="zh-TW" altLang="en-US" smtClean="0"/>
-              <a:t>2020/3/16</a:t>
+              <a:t>2020/3/17</a:t>
             </a:fld>
             <a:endParaRPr lang="zh-TW" altLang="en-US"/>
           </a:p>
@@ -1295,7 +1295,7 @@
           <a:p>
             <a:fld id="{BC026C39-E73D-4404-99C8-E3E59EB363C5}" type="datetimeFigureOut">
               <a:rPr lang="zh-TW" altLang="en-US" smtClean="0"/>
-              <a:t>2020/3/16</a:t>
+              <a:t>2020/3/17</a:t>
             </a:fld>
             <a:endParaRPr lang="zh-TW" altLang="en-US"/>
           </a:p>
@@ -1583,7 +1583,7 @@
           <a:p>
             <a:fld id="{BC026C39-E73D-4404-99C8-E3E59EB363C5}" type="datetimeFigureOut">
               <a:rPr lang="zh-TW" altLang="en-US" smtClean="0"/>
-              <a:t>2020/3/16</a:t>
+              <a:t>2020/3/17</a:t>
             </a:fld>
             <a:endParaRPr lang="zh-TW" altLang="en-US"/>
           </a:p>
@@ -2019,7 +2019,7 @@
           <a:p>
             <a:fld id="{BC026C39-E73D-4404-99C8-E3E59EB363C5}" type="datetimeFigureOut">
               <a:rPr lang="zh-TW" altLang="en-US" smtClean="0"/>
-              <a:t>2020/3/16</a:t>
+              <a:t>2020/3/17</a:t>
             </a:fld>
             <a:endParaRPr lang="zh-TW" altLang="en-US"/>
           </a:p>
@@ -2151,7 +2151,7 @@
           <a:p>
             <a:fld id="{BC026C39-E73D-4404-99C8-E3E59EB363C5}" type="datetimeFigureOut">
               <a:rPr lang="zh-TW" altLang="en-US" smtClean="0"/>
-              <a:t>2020/3/16</a:t>
+              <a:t>2020/3/17</a:t>
             </a:fld>
             <a:endParaRPr lang="zh-TW" altLang="en-US"/>
           </a:p>
@@ -2260,7 +2260,7 @@
           <a:p>
             <a:fld id="{BC026C39-E73D-4404-99C8-E3E59EB363C5}" type="datetimeFigureOut">
               <a:rPr lang="zh-TW" altLang="en-US" smtClean="0"/>
-              <a:t>2020/3/16</a:t>
+              <a:t>2020/3/17</a:t>
             </a:fld>
             <a:endParaRPr lang="zh-TW" altLang="en-US"/>
           </a:p>
@@ -2551,7 +2551,7 @@
           <a:p>
             <a:fld id="{BC026C39-E73D-4404-99C8-E3E59EB363C5}" type="datetimeFigureOut">
               <a:rPr lang="zh-TW" altLang="en-US" smtClean="0"/>
-              <a:t>2020/3/16</a:t>
+              <a:t>2020/3/17</a:t>
             </a:fld>
             <a:endParaRPr lang="zh-TW" altLang="en-US"/>
           </a:p>
@@ -2818,7 +2818,7 @@
           <a:p>
             <a:fld id="{BC026C39-E73D-4404-99C8-E3E59EB363C5}" type="datetimeFigureOut">
               <a:rPr lang="zh-TW" altLang="en-US" smtClean="0"/>
-              <a:t>2020/3/16</a:t>
+              <a:t>2020/3/17</a:t>
             </a:fld>
             <a:endParaRPr lang="zh-TW" altLang="en-US"/>
           </a:p>
@@ -3038,7 +3038,7 @@
           <a:p>
             <a:fld id="{BC026C39-E73D-4404-99C8-E3E59EB363C5}" type="datetimeFigureOut">
               <a:rPr lang="zh-TW" altLang="en-US" smtClean="0"/>
-              <a:t>2020/3/16</a:t>
+              <a:t>2020/3/17</a:t>
             </a:fld>
             <a:endParaRPr lang="zh-TW" altLang="en-US"/>
           </a:p>
@@ -3649,11 +3649,7 @@
             </a:r>
             <a:r>
               <a:rPr lang="zh-TW" altLang="en-US" dirty="0" smtClean="0"/>
-              <a:t>為什麼</a:t>
-            </a:r>
-            <a:r>
-              <a:rPr lang="zh-TW" altLang="en-US" dirty="0" smtClean="0"/>
-              <a:t>要運作一致</a:t>
+              <a:t>為什麼要運作一致</a:t>
             </a:r>
             <a:endParaRPr lang="zh-TW" altLang="en-US" dirty="0"/>
           </a:p>
@@ -3783,6 +3779,29 @@
             <a:normAutofit/>
           </a:bodyPr>
           <a:lstStyle/>
+          <a:p>
+            <a:r>
+              <a:rPr lang="zh-TW" altLang="en-US" dirty="0" smtClean="0"/>
+              <a:t>如果</a:t>
+            </a:r>
+            <a:r>
+              <a:rPr lang="en-US" altLang="zh-TW" dirty="0" smtClean="0"/>
+              <a:t>getter</a:t>
+            </a:r>
+            <a:r>
+              <a:rPr lang="zh-TW" altLang="en-US" dirty="0" smtClean="0"/>
+              <a:t>的傳值消耗很大，要重新思考</a:t>
+            </a:r>
+            <a:r>
+              <a:rPr lang="en-US" altLang="zh-TW" dirty="0" smtClean="0"/>
+              <a:t>public</a:t>
+            </a:r>
+            <a:r>
+              <a:rPr lang="zh-TW" altLang="en-US" dirty="0" smtClean="0"/>
+              <a:t>介面。</a:t>
+            </a:r>
+            <a:endParaRPr lang="en-US" altLang="zh-TW" smtClean="0"/>
+          </a:p>
           <a:p>
             <a:endParaRPr lang="zh-TW" altLang="en-US" dirty="0" smtClean="0"/>
           </a:p>
